--- a/18_ReadHTML.pptx
+++ b/18_ReadHTML.pptx
@@ -4021,12 +4021,17 @@
         </p:blipFill>
         <p:spPr>
           <a:xfrm>
-            <a:off x="457200" y="3596709"/>
+            <a:off x="467544" y="3353031"/>
             <a:ext cx="7740352" cy="3150797"/>
           </a:xfrm>
           <a:prstGeom prst="rect">
             <a:avLst/>
           </a:prstGeom>
+          <a:ln>
+            <a:solidFill>
+              <a:srgbClr val="C00000"/>
+            </a:solidFill>
+          </a:ln>
         </p:spPr>
       </p:pic>
     </p:spTree>
@@ -4364,10 +4369,10 @@
       </p:sp>
       <p:pic>
         <p:nvPicPr>
-          <p:cNvPr id="10" name="Picture 9">
+          <p:cNvPr id="11" name="Picture 10">
             <a:extLst>
               <a:ext uri="{FF2B5EF4-FFF2-40B4-BE49-F238E27FC236}">
-                <a16:creationId xmlns:a16="http://schemas.microsoft.com/office/drawing/2014/main" id="{FB3F108A-5B61-4F1F-85D4-A4917528D148}"/>
+                <a16:creationId xmlns:a16="http://schemas.microsoft.com/office/drawing/2014/main" id="{806AAE99-C5A3-45BB-94C7-D7E8FFED56F0}"/>
               </a:ext>
             </a:extLst>
           </p:cNvPr>
@@ -4384,8 +4389,8 @@
         </p:blipFill>
         <p:spPr>
           <a:xfrm>
-            <a:off x="5159201" y="1268759"/>
-            <a:ext cx="3638430" cy="4968553"/>
+            <a:off x="525951" y="3270612"/>
+            <a:ext cx="4556473" cy="2351286"/>
           </a:xfrm>
           <a:prstGeom prst="rect">
             <a:avLst/>
@@ -4399,10 +4404,10 @@
       </p:pic>
       <p:pic>
         <p:nvPicPr>
-          <p:cNvPr id="11" name="Picture 10">
+          <p:cNvPr id="7" name="Picture 6">
             <a:extLst>
               <a:ext uri="{FF2B5EF4-FFF2-40B4-BE49-F238E27FC236}">
-                <a16:creationId xmlns:a16="http://schemas.microsoft.com/office/drawing/2014/main" id="{806AAE99-C5A3-45BB-94C7-D7E8FFED56F0}"/>
+                <a16:creationId xmlns:a16="http://schemas.microsoft.com/office/drawing/2014/main" id="{E5D483E6-DDAE-4738-916A-0D20E868DF95}"/>
               </a:ext>
             </a:extLst>
           </p:cNvPr>
@@ -4419,8 +4424,8 @@
         </p:blipFill>
         <p:spPr>
           <a:xfrm>
-            <a:off x="525951" y="3270612"/>
-            <a:ext cx="4556473" cy="2351286"/>
+            <a:off x="5220072" y="1236102"/>
+            <a:ext cx="3696747" cy="4972203"/>
           </a:xfrm>
           <a:prstGeom prst="rect">
             <a:avLst/>
